--- a/University of Washington Class/Module 10 - Introduction to Microgrids.pptx
+++ b/University of Washington Class/Module 10 - Introduction to Microgrids.pptx
@@ -5,7 +5,7 @@
     <p:sldMasterId id="2147483660" r:id="rId1"/>
   </p:sldMasterIdLst>
   <p:notesMasterIdLst>
-    <p:notesMasterId r:id="rId54"/>
+    <p:notesMasterId r:id="rId52"/>
   </p:notesMasterIdLst>
   <p:sldIdLst>
     <p:sldId id="259" r:id="rId2"/>
@@ -56,10 +56,8 @@
     <p:sldId id="289" r:id="rId47"/>
     <p:sldId id="290" r:id="rId48"/>
     <p:sldId id="266" r:id="rId49"/>
-    <p:sldId id="306" r:id="rId50"/>
-    <p:sldId id="313" r:id="rId51"/>
-    <p:sldId id="274" r:id="rId52"/>
-    <p:sldId id="317" r:id="rId53"/>
+    <p:sldId id="313" r:id="rId50"/>
+    <p:sldId id="317" r:id="rId51"/>
   </p:sldIdLst>
   <p:sldSz cx="9144000" cy="6858000" type="screen4x3"/>
   <p:notesSz cx="6858000" cy="9144000"/>
@@ -273,7 +271,7 @@
           <a:p>
             <a:fld id="{AC91123B-733E-4F01-8B83-D24530315D2C}" type="datetimeFigureOut">
               <a:rPr lang="en-US" smtClean="0"/>
-              <a:t>11/17/2011</a:t>
+              <a:t>11/21/2011</a:t>
             </a:fld>
             <a:endParaRPr lang="en-US"/>
           </a:p>
@@ -855,7 +853,7 @@
             </a:pPr>
             <a:fld id="{E111136F-C8BC-4D8E-8EC9-DBEA4D0F8324}" type="datetime1">
               <a:rPr lang="en-US" smtClean="0"/>
-              <a:t>11/17/2011</a:t>
+              <a:t>11/21/2011</a:t>
             </a:fld>
             <a:endParaRPr lang="en-US"/>
           </a:p>
@@ -1073,7 +1071,7 @@
             </a:pPr>
             <a:fld id="{9381E6D0-FB2D-4EBA-8E41-2012F447873B}" type="datetime1">
               <a:rPr lang="en-US" smtClean="0"/>
-              <a:t>11/17/2011</a:t>
+              <a:t>11/21/2011</a:t>
             </a:fld>
             <a:endParaRPr lang="en-US"/>
           </a:p>
@@ -1395,7 +1393,7 @@
             </a:pPr>
             <a:fld id="{B75350A1-1BC1-4E49-9B26-19891B426B54}" type="datetime1">
               <a:rPr lang="en-US" smtClean="0"/>
-              <a:t>11/17/2011</a:t>
+              <a:t>11/21/2011</a:t>
             </a:fld>
             <a:endParaRPr lang="en-US"/>
           </a:p>
@@ -1843,7 +1841,7 @@
             </a:pPr>
             <a:fld id="{8C952E9D-57F8-4D34-998F-BB242124624A}" type="datetime1">
               <a:rPr lang="en-US" smtClean="0"/>
-              <a:t>11/17/2011</a:t>
+              <a:t>11/21/2011</a:t>
             </a:fld>
             <a:endParaRPr lang="en-US"/>
           </a:p>
@@ -1985,7 +1983,7 @@
             </a:pPr>
             <a:fld id="{981DCD5F-2CF6-4CDA-B743-BD0BAE89C266}" type="datetime1">
               <a:rPr lang="en-US" smtClean="0"/>
-              <a:t>11/17/2011</a:t>
+              <a:t>11/21/2011</a:t>
             </a:fld>
             <a:endParaRPr lang="en-US"/>
           </a:p>
@@ -2104,7 +2102,7 @@
             </a:pPr>
             <a:fld id="{7DADF7D8-D6C4-45F6-A9C6-48DA1A3486EB}" type="datetime1">
               <a:rPr lang="en-US" smtClean="0"/>
-              <a:t>11/17/2011</a:t>
+              <a:t>11/21/2011</a:t>
             </a:fld>
             <a:endParaRPr lang="en-US"/>
           </a:p>
@@ -2394,7 +2392,7 @@
             </a:pPr>
             <a:fld id="{2DE3C46D-125B-417B-A4A0-83D764B2678A}" type="datetime1">
               <a:rPr lang="en-US" smtClean="0"/>
-              <a:t>11/17/2011</a:t>
+              <a:t>11/21/2011</a:t>
             </a:fld>
             <a:endParaRPr lang="en-US"/>
           </a:p>
@@ -7441,12 +7439,12 @@
       </p:sp>
       <p:sp>
         <p:nvSpPr>
-          <p:cNvPr id="3" name="Content Placeholder 2"/>
-          <p:cNvSpPr>
-            <a:spLocks noGrp="1"/>
-          </p:cNvSpPr>
-          <p:nvPr>
-            <p:ph sz="half" idx="1"/>
+          <p:cNvPr id="6" name="Content Placeholder 5"/>
+          <p:cNvSpPr>
+            <a:spLocks noGrp="1"/>
+          </p:cNvSpPr>
+          <p:nvPr>
+            <p:ph idx="1"/>
           </p:nvPr>
         </p:nvSpPr>
         <p:spPr/>
@@ -7460,12 +7458,12 @@
       </p:sp>
       <p:sp>
         <p:nvSpPr>
-          <p:cNvPr id="4" name="Content Placeholder 3"/>
-          <p:cNvSpPr>
-            <a:spLocks noGrp="1"/>
-          </p:cNvSpPr>
-          <p:nvPr>
-            <p:ph sz="half" idx="2"/>
+          <p:cNvPr id="5" name="Slide Number Placeholder 4"/>
+          <p:cNvSpPr>
+            <a:spLocks noGrp="1"/>
+          </p:cNvSpPr>
+          <p:nvPr>
+            <p:ph type="sldNum" sz="quarter" idx="12"/>
           </p:nvPr>
         </p:nvSpPr>
         <p:spPr/>
@@ -7473,6 +7471,16 @@
           <a:bodyPr/>
           <a:lstStyle/>
           <a:p>
+            <a:pPr>
+              <a:defRPr/>
+            </a:pPr>
+            <a:fld id="{0B7F4CC6-FBC2-401F-B47B-6E15E8F7CDF0}" type="slidenum">
+              <a:rPr lang="en-US" smtClean="0"/>
+              <a:pPr>
+                <a:defRPr/>
+              </a:pPr>
+              <a:t>34</a:t>
+            </a:fld>
             <a:endParaRPr lang="en-US"/>
           </a:p>
         </p:txBody>
@@ -7541,35 +7549,6 @@
           </a:extLst>
         </p:spPr>
       </p:pic>
-      <p:sp>
-        <p:nvSpPr>
-          <p:cNvPr id="5" name="Slide Number Placeholder 4"/>
-          <p:cNvSpPr>
-            <a:spLocks noGrp="1"/>
-          </p:cNvSpPr>
-          <p:nvPr>
-            <p:ph type="sldNum" sz="quarter" idx="12"/>
-          </p:nvPr>
-        </p:nvSpPr>
-        <p:spPr/>
-        <p:txBody>
-          <a:bodyPr/>
-          <a:lstStyle/>
-          <a:p>
-            <a:pPr>
-              <a:defRPr/>
-            </a:pPr>
-            <a:fld id="{0B7F4CC6-FBC2-401F-B47B-6E15E8F7CDF0}" type="slidenum">
-              <a:rPr lang="en-US" smtClean="0"/>
-              <a:pPr>
-                <a:defRPr/>
-              </a:pPr>
-              <a:t>34</a:t>
-            </a:fld>
-            <a:endParaRPr lang="en-US"/>
-          </a:p>
-        </p:txBody>
-      </p:sp>
     </p:spTree>
     <p:extLst>
       <p:ext uri="{BB962C8B-B14F-4D97-AF65-F5344CB8AC3E}">
@@ -12948,12 +12927,12 @@
       </p:grpSpPr>
       <p:sp>
         <p:nvSpPr>
-          <p:cNvPr id="4" name="Title 3"/>
-          <p:cNvSpPr>
-            <a:spLocks noGrp="1"/>
-          </p:cNvSpPr>
-          <p:nvPr>
-            <p:ph type="ctrTitle"/>
+          <p:cNvPr id="2" name="Title 1"/>
+          <p:cNvSpPr>
+            <a:spLocks noGrp="1"/>
+          </p:cNvSpPr>
+          <p:nvPr>
+            <p:ph type="title"/>
           </p:nvPr>
         </p:nvSpPr>
         <p:spPr/>
@@ -12963,7 +12942,7 @@
           <a:p>
             <a:r>
               <a:rPr lang="en-US" dirty="0" smtClean="0"/>
-              <a:t>Extra slides</a:t>
+              <a:t>Other possible topics to cover</a:t>
             </a:r>
             <a:endParaRPr lang="en-US" dirty="0"/>
           </a:p>
@@ -12971,12 +12950,12 @@
       </p:sp>
       <p:sp>
         <p:nvSpPr>
-          <p:cNvPr id="5" name="Subtitle 4"/>
-          <p:cNvSpPr>
-            <a:spLocks noGrp="1"/>
-          </p:cNvSpPr>
-          <p:nvPr>
-            <p:ph type="subTitle" idx="1"/>
+          <p:cNvPr id="3" name="Content Placeholder 2"/>
+          <p:cNvSpPr>
+            <a:spLocks noGrp="1"/>
+          </p:cNvSpPr>
+          <p:nvPr>
+            <p:ph idx="1"/>
           </p:nvPr>
         </p:nvSpPr>
         <p:spPr/>
@@ -12984,13 +12963,47 @@
           <a:bodyPr/>
           <a:lstStyle/>
           <a:p>
-            <a:endParaRPr lang="en-US"/>
-          </a:p>
-        </p:txBody>
-      </p:sp>
-      <p:sp>
-        <p:nvSpPr>
-          <p:cNvPr id="6" name="Slide Number Placeholder 5"/>
+            <a:r>
+              <a:rPr lang="en-US" dirty="0" smtClean="0"/>
+              <a:t>Provision of local </a:t>
+            </a:r>
+            <a:r>
+              <a:rPr lang="en-US" dirty="0" err="1" smtClean="0"/>
+              <a:t>blackstart</a:t>
+            </a:r>
+            <a:r>
+              <a:rPr lang="en-US" dirty="0" smtClean="0"/>
+              <a:t>?</a:t>
+            </a:r>
+          </a:p>
+          <a:p>
+            <a:r>
+              <a:rPr lang="en-US" dirty="0" smtClean="0"/>
+              <a:t>Determination of benefits?</a:t>
+            </a:r>
+          </a:p>
+          <a:p>
+            <a:r>
+              <a:rPr lang="en-US" dirty="0" smtClean="0"/>
+              <a:t>Policy?</a:t>
+            </a:r>
+          </a:p>
+          <a:p>
+            <a:r>
+              <a:rPr lang="en-US" dirty="0"/>
+              <a:t>Communication infrastructure and </a:t>
+            </a:r>
+            <a:r>
+              <a:rPr lang="en-US" dirty="0" smtClean="0"/>
+              <a:t>protocols?</a:t>
+            </a:r>
+            <a:endParaRPr lang="en-US" dirty="0"/>
+          </a:p>
+        </p:txBody>
+      </p:sp>
+      <p:sp>
+        <p:nvSpPr>
+          <p:cNvPr id="4" name="Slide Number Placeholder 3"/>
           <p:cNvSpPr>
             <a:spLocks noGrp="1"/>
           </p:cNvSpPr>
@@ -13006,7 +13019,7 @@
             <a:pPr>
               <a:defRPr/>
             </a:pPr>
-            <a:fld id="{F601EF6B-E170-4932-A66C-B11DE60C1EC3}" type="slidenum">
+            <a:fld id="{1B01BA5B-7730-4338-A929-CCF4E62AD04F}" type="slidenum">
               <a:rPr lang="en-US" smtClean="0"/>
               <a:pPr>
                 <a:defRPr/>
@@ -13020,7 +13033,7 @@
     </p:spTree>
     <p:extLst>
       <p:ext uri="{BB962C8B-B14F-4D97-AF65-F5344CB8AC3E}">
-        <p14:creationId xmlns:p14="http://schemas.microsoft.com/office/powerpoint/2010/main" val="2753035828"/>
+        <p14:creationId xmlns:p14="http://schemas.microsoft.com/office/powerpoint/2010/main" val="83929740"/>
       </p:ext>
     </p:extLst>
   </p:cSld>
@@ -13262,305 +13275,6 @@
 </file>
 
 <file path=ppt/slides/slide50.xml><?xml version="1.0" encoding="utf-8"?>
-<p:sld xmlns:a="http://schemas.openxmlformats.org/drawingml/2006/main" xmlns:r="http://schemas.openxmlformats.org/officeDocument/2006/relationships" xmlns:p="http://schemas.openxmlformats.org/presentationml/2006/main">
-  <p:cSld>
-    <p:spTree>
-      <p:nvGrpSpPr>
-        <p:cNvPr id="1" name=""/>
-        <p:cNvGrpSpPr/>
-        <p:nvPr/>
-      </p:nvGrpSpPr>
-      <p:grpSpPr>
-        <a:xfrm>
-          <a:off x="0" y="0"/>
-          <a:ext cx="0" cy="0"/>
-          <a:chOff x="0" y="0"/>
-          <a:chExt cx="0" cy="0"/>
-        </a:xfrm>
-      </p:grpSpPr>
-      <p:sp>
-        <p:nvSpPr>
-          <p:cNvPr id="2" name="Title 1"/>
-          <p:cNvSpPr>
-            <a:spLocks noGrp="1"/>
-          </p:cNvSpPr>
-          <p:nvPr>
-            <p:ph type="title"/>
-          </p:nvPr>
-        </p:nvSpPr>
-        <p:spPr/>
-        <p:txBody>
-          <a:bodyPr/>
-          <a:lstStyle/>
-          <a:p>
-            <a:r>
-              <a:rPr lang="en-US" dirty="0" smtClean="0"/>
-              <a:t>Other possible topics to cover</a:t>
-            </a:r>
-            <a:endParaRPr lang="en-US" dirty="0"/>
-          </a:p>
-        </p:txBody>
-      </p:sp>
-      <p:sp>
-        <p:nvSpPr>
-          <p:cNvPr id="3" name="Content Placeholder 2"/>
-          <p:cNvSpPr>
-            <a:spLocks noGrp="1"/>
-          </p:cNvSpPr>
-          <p:nvPr>
-            <p:ph idx="1"/>
-          </p:nvPr>
-        </p:nvSpPr>
-        <p:spPr/>
-        <p:txBody>
-          <a:bodyPr/>
-          <a:lstStyle/>
-          <a:p>
-            <a:r>
-              <a:rPr lang="en-US" dirty="0" smtClean="0"/>
-              <a:t>Provision of local </a:t>
-            </a:r>
-            <a:r>
-              <a:rPr lang="en-US" dirty="0" err="1" smtClean="0"/>
-              <a:t>blackstart</a:t>
-            </a:r>
-            <a:r>
-              <a:rPr lang="en-US" dirty="0" smtClean="0"/>
-              <a:t>?</a:t>
-            </a:r>
-          </a:p>
-          <a:p>
-            <a:r>
-              <a:rPr lang="en-US" dirty="0" smtClean="0"/>
-              <a:t>Determination of benefits?</a:t>
-            </a:r>
-          </a:p>
-          <a:p>
-            <a:r>
-              <a:rPr lang="en-US" dirty="0" smtClean="0"/>
-              <a:t>Policy?</a:t>
-            </a:r>
-          </a:p>
-          <a:p>
-            <a:r>
-              <a:rPr lang="en-US" dirty="0"/>
-              <a:t>Communication infrastructure and </a:t>
-            </a:r>
-            <a:r>
-              <a:rPr lang="en-US" dirty="0" smtClean="0"/>
-              <a:t>protocols?</a:t>
-            </a:r>
-            <a:endParaRPr lang="en-US" dirty="0"/>
-          </a:p>
-        </p:txBody>
-      </p:sp>
-      <p:sp>
-        <p:nvSpPr>
-          <p:cNvPr id="4" name="Slide Number Placeholder 3"/>
-          <p:cNvSpPr>
-            <a:spLocks noGrp="1"/>
-          </p:cNvSpPr>
-          <p:nvPr>
-            <p:ph type="sldNum" sz="quarter" idx="12"/>
-          </p:nvPr>
-        </p:nvSpPr>
-        <p:spPr/>
-        <p:txBody>
-          <a:bodyPr/>
-          <a:lstStyle/>
-          <a:p>
-            <a:pPr>
-              <a:defRPr/>
-            </a:pPr>
-            <a:fld id="{1B01BA5B-7730-4338-A929-CCF4E62AD04F}" type="slidenum">
-              <a:rPr lang="en-US" smtClean="0"/>
-              <a:pPr>
-                <a:defRPr/>
-              </a:pPr>
-              <a:t>50</a:t>
-            </a:fld>
-            <a:endParaRPr lang="en-US"/>
-          </a:p>
-        </p:txBody>
-      </p:sp>
-    </p:spTree>
-    <p:extLst>
-      <p:ext uri="{BB962C8B-B14F-4D97-AF65-F5344CB8AC3E}">
-        <p14:creationId xmlns:p14="http://schemas.microsoft.com/office/powerpoint/2010/main" val="83929740"/>
-      </p:ext>
-    </p:extLst>
-  </p:cSld>
-  <p:clrMapOvr>
-    <a:masterClrMapping/>
-  </p:clrMapOvr>
-  <p:timing>
-    <p:tnLst>
-      <p:par>
-        <p:cTn id="1" dur="indefinite" restart="never" nodeType="tmRoot"/>
-      </p:par>
-    </p:tnLst>
-  </p:timing>
-</p:sld>
-</file>
-
-<file path=ppt/slides/slide51.xml><?xml version="1.0" encoding="utf-8"?>
-<p:sld xmlns:a="http://schemas.openxmlformats.org/drawingml/2006/main" xmlns:r="http://schemas.openxmlformats.org/officeDocument/2006/relationships" xmlns:p="http://schemas.openxmlformats.org/presentationml/2006/main">
-  <p:cSld>
-    <p:spTree>
-      <p:nvGrpSpPr>
-        <p:cNvPr id="1" name=""/>
-        <p:cNvGrpSpPr/>
-        <p:nvPr/>
-      </p:nvGrpSpPr>
-      <p:grpSpPr>
-        <a:xfrm>
-          <a:off x="0" y="0"/>
-          <a:ext cx="0" cy="0"/>
-          <a:chOff x="0" y="0"/>
-          <a:chExt cx="0" cy="0"/>
-        </a:xfrm>
-      </p:grpSpPr>
-      <p:sp>
-        <p:nvSpPr>
-          <p:cNvPr id="2" name="Title 1"/>
-          <p:cNvSpPr>
-            <a:spLocks noGrp="1"/>
-          </p:cNvSpPr>
-          <p:nvPr>
-            <p:ph type="title"/>
-          </p:nvPr>
-        </p:nvSpPr>
-        <p:spPr/>
-        <p:txBody>
-          <a:bodyPr/>
-          <a:lstStyle/>
-          <a:p>
-            <a:r>
-              <a:rPr lang="en-US" dirty="0" smtClean="0"/>
-              <a:t>CERTS tools</a:t>
-            </a:r>
-            <a:endParaRPr lang="en-US" dirty="0"/>
-          </a:p>
-        </p:txBody>
-      </p:sp>
-      <p:sp>
-        <p:nvSpPr>
-          <p:cNvPr id="3" name="Content Placeholder 2"/>
-          <p:cNvSpPr>
-            <a:spLocks noGrp="1"/>
-          </p:cNvSpPr>
-          <p:nvPr>
-            <p:ph idx="1"/>
-          </p:nvPr>
-        </p:nvSpPr>
-        <p:spPr/>
-        <p:txBody>
-          <a:bodyPr/>
-          <a:lstStyle/>
-          <a:p>
-            <a:r>
-              <a:rPr lang="en-US" dirty="0" smtClean="0"/>
-              <a:t>Distribution energy resources customer adoption model (DER-CAM) (Lawrence Berkeley National Lab)</a:t>
-            </a:r>
-          </a:p>
-          <a:p>
-            <a:r>
-              <a:rPr lang="en-US" dirty="0" smtClean="0">
-                <a:sym typeface="Symbol"/>
-              </a:rPr>
-              <a:t>Grid Analysis Tool (</a:t>
-            </a:r>
-            <a:r>
-              <a:rPr lang="en-US" dirty="0">
-                <a:sym typeface="Symbol"/>
-              </a:rPr>
-              <a:t></a:t>
-            </a:r>
-            <a:r>
-              <a:rPr lang="en-US" dirty="0" smtClean="0">
-                <a:sym typeface="Symbol"/>
-              </a:rPr>
-              <a:t>Grid) (Georgia Institute of Technology)</a:t>
-            </a:r>
-          </a:p>
-          <a:p>
-            <a:pPr lvl="1"/>
-            <a:r>
-              <a:rPr lang="en-US" dirty="0" smtClean="0">
-                <a:sym typeface="Symbol"/>
-              </a:rPr>
-              <a:t>All necessary electrical analysis needed to design microgrids. (Unbalanced three-phase, and single phase system, voltage and frequency stability, stray voltages, currents and ground potentials)</a:t>
-            </a:r>
-          </a:p>
-          <a:p>
-            <a:pPr lvl="1"/>
-            <a:r>
-              <a:rPr lang="en-US" b="1" dirty="0" smtClean="0">
-                <a:solidFill>
-                  <a:srgbClr val="FF0000"/>
-                </a:solidFill>
-                <a:sym typeface="Symbol"/>
-              </a:rPr>
-              <a:t>Didn’t find????????????</a:t>
-            </a:r>
-            <a:endParaRPr lang="en-US" b="1" dirty="0">
-              <a:solidFill>
-                <a:srgbClr val="FF0000"/>
-              </a:solidFill>
-            </a:endParaRPr>
-          </a:p>
-        </p:txBody>
-      </p:sp>
-      <p:sp>
-        <p:nvSpPr>
-          <p:cNvPr id="4" name="Slide Number Placeholder 3"/>
-          <p:cNvSpPr>
-            <a:spLocks noGrp="1"/>
-          </p:cNvSpPr>
-          <p:nvPr>
-            <p:ph type="sldNum" sz="quarter" idx="12"/>
-          </p:nvPr>
-        </p:nvSpPr>
-        <p:spPr/>
-        <p:txBody>
-          <a:bodyPr/>
-          <a:lstStyle/>
-          <a:p>
-            <a:pPr>
-              <a:defRPr/>
-            </a:pPr>
-            <a:fld id="{1B01BA5B-7730-4338-A929-CCF4E62AD04F}" type="slidenum">
-              <a:rPr lang="en-US" smtClean="0"/>
-              <a:pPr>
-                <a:defRPr/>
-              </a:pPr>
-              <a:t>51</a:t>
-            </a:fld>
-            <a:endParaRPr lang="en-US"/>
-          </a:p>
-        </p:txBody>
-      </p:sp>
-    </p:spTree>
-    <p:extLst>
-      <p:ext uri="{BB962C8B-B14F-4D97-AF65-F5344CB8AC3E}">
-        <p14:creationId xmlns:p14="http://schemas.microsoft.com/office/powerpoint/2010/main" val="2796608151"/>
-      </p:ext>
-    </p:extLst>
-  </p:cSld>
-  <p:clrMapOvr>
-    <a:masterClrMapping/>
-  </p:clrMapOvr>
-  <p:timing>
-    <p:tnLst>
-      <p:par>
-        <p:cTn id="1" dur="indefinite" restart="never" nodeType="tmRoot"/>
-      </p:par>
-    </p:tnLst>
-  </p:timing>
-</p:sld>
-</file>
-
-<file path=ppt/slides/slide52.xml><?xml version="1.0" encoding="utf-8"?>
 <p:sld xmlns:a="http://schemas.openxmlformats.org/drawingml/2006/main" xmlns:r="http://schemas.openxmlformats.org/officeDocument/2006/relationships" xmlns:p="http://schemas.openxmlformats.org/presentationml/2006/main">
   <p:cSld>
     <p:spTree>
